--- a/Cyber Security Tasks/CodeAlpha_PhishingAwareness/Phishing_Awareness_Presentation.pptx
+++ b/Cyber Security Tasks/CodeAlpha_PhishingAwareness/Phishing_Awareness_Presentation.pptx
@@ -112,6 +112,11 @@
       </a:defRPr>
     </a:lvl9pPr>
   </p:defaultTextStyle>
+  <p:extLst>
+    <p:ext uri="{EFAFB233-063F-42B5-8137-9DF3F51BA10A}">
+      <p15:sldGuideLst xmlns:p15="http://schemas.microsoft.com/office/powerpoint/2012/main"/>
+    </p:ext>
+  </p:extLst>
 </p:presentation>
 </file>
 
@@ -262,7 +267,7 @@
           <a:p>
             <a:fld id="{523FDC8D-259E-41AA-A899-50CCF0467368}" type="datetimeFigureOut">
               <a:rPr lang="en-US" smtClean="0"/>
-              <a:t>8/2/2025</a:t>
+              <a:t>8/6/2025</a:t>
             </a:fld>
             <a:endParaRPr lang="en-US"/>
           </a:p>
@@ -460,7 +465,7 @@
           <a:p>
             <a:fld id="{523FDC8D-259E-41AA-A899-50CCF0467368}" type="datetimeFigureOut">
               <a:rPr lang="en-US" smtClean="0"/>
-              <a:t>8/2/2025</a:t>
+              <a:t>8/6/2025</a:t>
             </a:fld>
             <a:endParaRPr lang="en-US"/>
           </a:p>
@@ -668,7 +673,7 @@
           <a:p>
             <a:fld id="{523FDC8D-259E-41AA-A899-50CCF0467368}" type="datetimeFigureOut">
               <a:rPr lang="en-US" smtClean="0"/>
-              <a:t>8/2/2025</a:t>
+              <a:t>8/6/2025</a:t>
             </a:fld>
             <a:endParaRPr lang="en-US"/>
           </a:p>
@@ -866,7 +871,7 @@
           <a:p>
             <a:fld id="{523FDC8D-259E-41AA-A899-50CCF0467368}" type="datetimeFigureOut">
               <a:rPr lang="en-US" smtClean="0"/>
-              <a:t>8/2/2025</a:t>
+              <a:t>8/6/2025</a:t>
             </a:fld>
             <a:endParaRPr lang="en-US"/>
           </a:p>
@@ -1064,7 +1069,7 @@
           <a:p>
             <a:fld id="{523FDC8D-259E-41AA-A899-50CCF0467368}" type="datetimeFigureOut">
               <a:rPr lang="en-US" smtClean="0"/>
-              <a:t>8/2/2025</a:t>
+              <a:t>8/6/2025</a:t>
             </a:fld>
             <a:endParaRPr lang="en-US"/>
           </a:p>
@@ -1339,7 +1344,7 @@
           <a:p>
             <a:fld id="{523FDC8D-259E-41AA-A899-50CCF0467368}" type="datetimeFigureOut">
               <a:rPr lang="en-US" smtClean="0"/>
-              <a:t>8/2/2025</a:t>
+              <a:t>8/6/2025</a:t>
             </a:fld>
             <a:endParaRPr lang="en-US"/>
           </a:p>
@@ -1604,7 +1609,7 @@
           <a:p>
             <a:fld id="{523FDC8D-259E-41AA-A899-50CCF0467368}" type="datetimeFigureOut">
               <a:rPr lang="en-US" smtClean="0"/>
-              <a:t>8/2/2025</a:t>
+              <a:t>8/6/2025</a:t>
             </a:fld>
             <a:endParaRPr lang="en-US"/>
           </a:p>
@@ -2016,7 +2021,7 @@
           <a:p>
             <a:fld id="{523FDC8D-259E-41AA-A899-50CCF0467368}" type="datetimeFigureOut">
               <a:rPr lang="en-US" smtClean="0"/>
-              <a:t>8/2/2025</a:t>
+              <a:t>8/6/2025</a:t>
             </a:fld>
             <a:endParaRPr lang="en-US"/>
           </a:p>
@@ -2157,7 +2162,7 @@
           <a:p>
             <a:fld id="{523FDC8D-259E-41AA-A899-50CCF0467368}" type="datetimeFigureOut">
               <a:rPr lang="en-US" smtClean="0"/>
-              <a:t>8/2/2025</a:t>
+              <a:t>8/6/2025</a:t>
             </a:fld>
             <a:endParaRPr lang="en-US"/>
           </a:p>
@@ -2270,7 +2275,7 @@
           <a:p>
             <a:fld id="{523FDC8D-259E-41AA-A899-50CCF0467368}" type="datetimeFigureOut">
               <a:rPr lang="en-US" smtClean="0"/>
-              <a:t>8/2/2025</a:t>
+              <a:t>8/6/2025</a:t>
             </a:fld>
             <a:endParaRPr lang="en-US"/>
           </a:p>
@@ -2581,7 +2586,7 @@
           <a:p>
             <a:fld id="{523FDC8D-259E-41AA-A899-50CCF0467368}" type="datetimeFigureOut">
               <a:rPr lang="en-US" smtClean="0"/>
-              <a:t>8/2/2025</a:t>
+              <a:t>8/6/2025</a:t>
             </a:fld>
             <a:endParaRPr lang="en-US"/>
           </a:p>
@@ -2869,7 +2874,7 @@
           <a:p>
             <a:fld id="{523FDC8D-259E-41AA-A899-50CCF0467368}" type="datetimeFigureOut">
               <a:rPr lang="en-US" smtClean="0"/>
-              <a:t>8/2/2025</a:t>
+              <a:t>8/6/2025</a:t>
             </a:fld>
             <a:endParaRPr lang="en-US"/>
           </a:p>
@@ -3110,7 +3115,7 @@
           <a:p>
             <a:fld id="{523FDC8D-259E-41AA-A899-50CCF0467368}" type="datetimeFigureOut">
               <a:rPr lang="en-US" smtClean="0"/>
-              <a:t>8/2/2025</a:t>
+              <a:t>8/6/2025</a:t>
             </a:fld>
             <a:endParaRPr lang="en-US"/>
           </a:p>
@@ -3579,7 +3584,7 @@
           <a:p>
             <a:r>
               <a:rPr lang="en-US" dirty="0"/>
-              <a:t>Cyber Security Internship � </a:t>
+              <a:t>Cyber Security Internship  </a:t>
             </a:r>
             <a:r>
               <a:rPr lang="en-US" dirty="0" err="1"/>
@@ -3589,12 +3594,8 @@
           </a:p>
           <a:p>
             <a:r>
-              <a:rPr lang="en-US"/>
-              <a:t>Alazar Eshetu| </a:t>
-            </a:r>
-            <a:r>
               <a:rPr lang="en-US" dirty="0"/>
-              <a:t>GitHub / LinkedIn</a:t>
+              <a:t>Alazar Eshetu| GitHub / LinkedIn</a:t>
             </a:r>
           </a:p>
         </p:txBody>
